--- a/316 - Soldiers of Christ, Arise.pptx
+++ b/316 - Soldiers of Christ, Arise.pptx
@@ -243,7 +243,7 @@
           <a:p>
             <a:fld id="{32F7251A-AE54-443C-B8FE-5F636E835EBF}" type="datetimeFigureOut">
               <a:rPr lang="en-US" smtClean="0"/>
-              <a:t>5/26/2019</a:t>
+              <a:t>10/20/2019</a:t>
             </a:fld>
             <a:endParaRPr lang="en-US"/>
           </a:p>
@@ -411,7 +411,7 @@
           <a:p>
             <a:fld id="{32F7251A-AE54-443C-B8FE-5F636E835EBF}" type="datetimeFigureOut">
               <a:rPr lang="en-US" smtClean="0"/>
-              <a:t>5/26/2019</a:t>
+              <a:t>10/20/2019</a:t>
             </a:fld>
             <a:endParaRPr lang="en-US"/>
           </a:p>
@@ -589,7 +589,7 @@
           <a:p>
             <a:fld id="{32F7251A-AE54-443C-B8FE-5F636E835EBF}" type="datetimeFigureOut">
               <a:rPr lang="en-US" smtClean="0"/>
-              <a:t>5/26/2019</a:t>
+              <a:t>10/20/2019</a:t>
             </a:fld>
             <a:endParaRPr lang="en-US"/>
           </a:p>
@@ -757,7 +757,7 @@
           <a:p>
             <a:fld id="{32F7251A-AE54-443C-B8FE-5F636E835EBF}" type="datetimeFigureOut">
               <a:rPr lang="en-US" smtClean="0"/>
-              <a:t>5/26/2019</a:t>
+              <a:t>10/20/2019</a:t>
             </a:fld>
             <a:endParaRPr lang="en-US"/>
           </a:p>
@@ -1002,7 +1002,7 @@
           <a:p>
             <a:fld id="{32F7251A-AE54-443C-B8FE-5F636E835EBF}" type="datetimeFigureOut">
               <a:rPr lang="en-US" smtClean="0"/>
-              <a:t>5/26/2019</a:t>
+              <a:t>10/20/2019</a:t>
             </a:fld>
             <a:endParaRPr lang="en-US"/>
           </a:p>
@@ -1231,7 +1231,7 @@
           <a:p>
             <a:fld id="{32F7251A-AE54-443C-B8FE-5F636E835EBF}" type="datetimeFigureOut">
               <a:rPr lang="en-US" smtClean="0"/>
-              <a:t>5/26/2019</a:t>
+              <a:t>10/20/2019</a:t>
             </a:fld>
             <a:endParaRPr lang="en-US"/>
           </a:p>
@@ -1595,7 +1595,7 @@
           <a:p>
             <a:fld id="{32F7251A-AE54-443C-B8FE-5F636E835EBF}" type="datetimeFigureOut">
               <a:rPr lang="en-US" smtClean="0"/>
-              <a:t>5/26/2019</a:t>
+              <a:t>10/20/2019</a:t>
             </a:fld>
             <a:endParaRPr lang="en-US"/>
           </a:p>
@@ -1712,7 +1712,7 @@
           <a:p>
             <a:fld id="{32F7251A-AE54-443C-B8FE-5F636E835EBF}" type="datetimeFigureOut">
               <a:rPr lang="en-US" smtClean="0"/>
-              <a:t>5/26/2019</a:t>
+              <a:t>10/20/2019</a:t>
             </a:fld>
             <a:endParaRPr lang="en-US"/>
           </a:p>
@@ -1807,7 +1807,7 @@
           <a:p>
             <a:fld id="{32F7251A-AE54-443C-B8FE-5F636E835EBF}" type="datetimeFigureOut">
               <a:rPr lang="en-US" smtClean="0"/>
-              <a:t>5/26/2019</a:t>
+              <a:t>10/20/2019</a:t>
             </a:fld>
             <a:endParaRPr lang="en-US"/>
           </a:p>
@@ -2082,7 +2082,7 @@
           <a:p>
             <a:fld id="{32F7251A-AE54-443C-B8FE-5F636E835EBF}" type="datetimeFigureOut">
               <a:rPr lang="en-US" smtClean="0"/>
-              <a:t>5/26/2019</a:t>
+              <a:t>10/20/2019</a:t>
             </a:fld>
             <a:endParaRPr lang="en-US"/>
           </a:p>
@@ -2334,7 +2334,7 @@
           <a:p>
             <a:fld id="{32F7251A-AE54-443C-B8FE-5F636E835EBF}" type="datetimeFigureOut">
               <a:rPr lang="en-US" smtClean="0"/>
-              <a:t>5/26/2019</a:t>
+              <a:t>10/20/2019</a:t>
             </a:fld>
             <a:endParaRPr lang="en-US"/>
           </a:p>
@@ -2548,7 +2548,7 @@
           <a:p>
             <a:fld id="{32F7251A-AE54-443C-B8FE-5F636E835EBF}" type="datetimeFigureOut">
               <a:rPr lang="en-US" smtClean="0"/>
-              <a:t>5/26/2019</a:t>
+              <a:t>10/20/2019</a:t>
             </a:fld>
             <a:endParaRPr lang="en-US"/>
           </a:p>
@@ -3597,7 +3597,7 @@
           <a:p>
             <a:pPr algn="ctr"/>
             <a:r>
-              <a:rPr lang="en-US" sz="3600">
+              <a:rPr lang="en-US" sz="3600" dirty="0" err="1">
                 <a:solidFill>
                   <a:schemeClr val="bg1"/>
                 </a:solidFill>
@@ -3657,12 +3657,20 @@
           <a:p>
             <a:pPr algn="ctr"/>
             <a:r>
+              <a:rPr lang="en-US" sz="3600">
+                <a:solidFill>
+                  <a:schemeClr val="bg1"/>
+                </a:solidFill>
+              </a:rPr>
+              <a:t>And every </a:t>
+            </a:r>
+            <a:r>
               <a:rPr lang="en-US" sz="3600" dirty="0">
                 <a:solidFill>
                   <a:schemeClr val="bg1"/>
                 </a:solidFill>
               </a:rPr>
-              <a:t>And ever victor crown.”</a:t>
+              <a:t>victor crown.”</a:t>
             </a:r>
           </a:p>
         </p:txBody>

--- a/316 - Soldiers of Christ, Arise.pptx
+++ b/316 - Soldiers of Christ, Arise.pptx
@@ -243,7 +243,7 @@
           <a:p>
             <a:fld id="{32F7251A-AE54-443C-B8FE-5F636E835EBF}" type="datetimeFigureOut">
               <a:rPr lang="en-US" smtClean="0"/>
-              <a:t>10/20/2019</a:t>
+              <a:t>2/23/2020</a:t>
             </a:fld>
             <a:endParaRPr lang="en-US"/>
           </a:p>
@@ -411,7 +411,7 @@
           <a:p>
             <a:fld id="{32F7251A-AE54-443C-B8FE-5F636E835EBF}" type="datetimeFigureOut">
               <a:rPr lang="en-US" smtClean="0"/>
-              <a:t>10/20/2019</a:t>
+              <a:t>2/23/2020</a:t>
             </a:fld>
             <a:endParaRPr lang="en-US"/>
           </a:p>
@@ -589,7 +589,7 @@
           <a:p>
             <a:fld id="{32F7251A-AE54-443C-B8FE-5F636E835EBF}" type="datetimeFigureOut">
               <a:rPr lang="en-US" smtClean="0"/>
-              <a:t>10/20/2019</a:t>
+              <a:t>2/23/2020</a:t>
             </a:fld>
             <a:endParaRPr lang="en-US"/>
           </a:p>
@@ -757,7 +757,7 @@
           <a:p>
             <a:fld id="{32F7251A-AE54-443C-B8FE-5F636E835EBF}" type="datetimeFigureOut">
               <a:rPr lang="en-US" smtClean="0"/>
-              <a:t>10/20/2019</a:t>
+              <a:t>2/23/2020</a:t>
             </a:fld>
             <a:endParaRPr lang="en-US"/>
           </a:p>
@@ -1002,7 +1002,7 @@
           <a:p>
             <a:fld id="{32F7251A-AE54-443C-B8FE-5F636E835EBF}" type="datetimeFigureOut">
               <a:rPr lang="en-US" smtClean="0"/>
-              <a:t>10/20/2019</a:t>
+              <a:t>2/23/2020</a:t>
             </a:fld>
             <a:endParaRPr lang="en-US"/>
           </a:p>
@@ -1231,7 +1231,7 @@
           <a:p>
             <a:fld id="{32F7251A-AE54-443C-B8FE-5F636E835EBF}" type="datetimeFigureOut">
               <a:rPr lang="en-US" smtClean="0"/>
-              <a:t>10/20/2019</a:t>
+              <a:t>2/23/2020</a:t>
             </a:fld>
             <a:endParaRPr lang="en-US"/>
           </a:p>
@@ -1595,7 +1595,7 @@
           <a:p>
             <a:fld id="{32F7251A-AE54-443C-B8FE-5F636E835EBF}" type="datetimeFigureOut">
               <a:rPr lang="en-US" smtClean="0"/>
-              <a:t>10/20/2019</a:t>
+              <a:t>2/23/2020</a:t>
             </a:fld>
             <a:endParaRPr lang="en-US"/>
           </a:p>
@@ -1712,7 +1712,7 @@
           <a:p>
             <a:fld id="{32F7251A-AE54-443C-B8FE-5F636E835EBF}" type="datetimeFigureOut">
               <a:rPr lang="en-US" smtClean="0"/>
-              <a:t>10/20/2019</a:t>
+              <a:t>2/23/2020</a:t>
             </a:fld>
             <a:endParaRPr lang="en-US"/>
           </a:p>
@@ -1807,7 +1807,7 @@
           <a:p>
             <a:fld id="{32F7251A-AE54-443C-B8FE-5F636E835EBF}" type="datetimeFigureOut">
               <a:rPr lang="en-US" smtClean="0"/>
-              <a:t>10/20/2019</a:t>
+              <a:t>2/23/2020</a:t>
             </a:fld>
             <a:endParaRPr lang="en-US"/>
           </a:p>
@@ -2082,7 +2082,7 @@
           <a:p>
             <a:fld id="{32F7251A-AE54-443C-B8FE-5F636E835EBF}" type="datetimeFigureOut">
               <a:rPr lang="en-US" smtClean="0"/>
-              <a:t>10/20/2019</a:t>
+              <a:t>2/23/2020</a:t>
             </a:fld>
             <a:endParaRPr lang="en-US"/>
           </a:p>
@@ -2334,7 +2334,7 @@
           <a:p>
             <a:fld id="{32F7251A-AE54-443C-B8FE-5F636E835EBF}" type="datetimeFigureOut">
               <a:rPr lang="en-US" smtClean="0"/>
-              <a:t>10/20/2019</a:t>
+              <a:t>2/23/2020</a:t>
             </a:fld>
             <a:endParaRPr lang="en-US"/>
           </a:p>
@@ -2401,7 +2401,9 @@
     <p:bg>
       <p:bgPr>
         <a:solidFill>
-          <a:srgbClr val="333333"/>
+          <a:schemeClr val="bg1">
+            <a:lumMod val="10000"/>
+          </a:schemeClr>
         </a:solidFill>
         <a:effectLst/>
       </p:bgPr>
@@ -2548,7 +2550,7 @@
           <a:p>
             <a:fld id="{32F7251A-AE54-443C-B8FE-5F636E835EBF}" type="datetimeFigureOut">
               <a:rPr lang="en-US" smtClean="0"/>
-              <a:t>10/20/2019</a:t>
+              <a:t>2/23/2020</a:t>
             </a:fld>
             <a:endParaRPr lang="en-US"/>
           </a:p>
@@ -3030,15 +3032,23 @@
           <a:bodyPr wrap="square" rtlCol="0" anchor="ctr">
             <a:spAutoFit/>
           </a:bodyPr>
-          <a:lstStyle/>
-          <a:p>
-            <a:pPr algn="ctr"/>
-            <a:r>
-              <a:rPr lang="en-US" sz="4800" dirty="0">
+          <a:lstStyle>
+            <a:defPPr>
+              <a:defRPr lang="en-US"/>
+            </a:defPPr>
+            <a:lvl1pPr algn="ctr">
+              <a:defRPr sz="3200" u="sng">
                 <a:solidFill>
                   <a:schemeClr val="bg1"/>
                 </a:solidFill>
-              </a:rPr>
+                <a:latin typeface="Assistant SemiBold" panose="00000700000000000000" pitchFamily="2" charset="-79"/>
+                <a:cs typeface="Assistant SemiBold" panose="00000700000000000000" pitchFamily="2" charset="-79"/>
+              </a:defRPr>
+            </a:lvl1pPr>
+          </a:lstStyle>
+          <a:p>
+            <a:r>
+              <a:rPr lang="en-US" dirty="0"/>
               <a:t>“Soldiers of Christ, Arise!”</a:t>
             </a:r>
           </a:p>
@@ -3052,8 +3062,8 @@
         </p:nvSpPr>
         <p:spPr>
           <a:xfrm>
-            <a:off x="0" y="297622"/>
-            <a:ext cx="12192000" cy="5078313"/>
+            <a:off x="0" y="698557"/>
+            <a:ext cx="12192000" cy="3382998"/>
           </a:xfrm>
           <a:prstGeom prst="rect">
             <a:avLst/>
@@ -3064,100 +3074,68 @@
           <a:bodyPr wrap="square" rtlCol="0">
             <a:spAutoFit/>
           </a:bodyPr>
-          <a:lstStyle/>
-          <a:p>
-            <a:pPr algn="ctr"/>
-            <a:r>
-              <a:rPr lang="en-US" sz="3600" dirty="0">
+          <a:lstStyle>
+            <a:defPPr>
+              <a:defRPr lang="en-US"/>
+            </a:defPPr>
+            <a:lvl1pPr algn="ctr">
+              <a:defRPr sz="2800" spc="50">
                 <a:solidFill>
                   <a:schemeClr val="bg1"/>
                 </a:solidFill>
-              </a:rPr>
+                <a:latin typeface="Assistant" panose="00000500000000000000" pitchFamily="2" charset="-79"/>
+                <a:cs typeface="Assistant" panose="00000500000000000000" pitchFamily="2" charset="-79"/>
+              </a:defRPr>
+            </a:lvl1pPr>
+          </a:lstStyle>
+          <a:p>
+            <a:r>
+              <a:rPr lang="en-US" dirty="0"/>
               <a:t>Soldiers of Christ, arise</a:t>
             </a:r>
           </a:p>
           <a:p>
-            <a:pPr algn="ctr"/>
-            <a:r>
-              <a:rPr lang="en-US" sz="3600" dirty="0">
-                <a:solidFill>
-                  <a:schemeClr val="bg1"/>
-                </a:solidFill>
-              </a:rPr>
+            <a:r>
+              <a:rPr lang="en-US" dirty="0"/>
               <a:t>And gird your armor on,</a:t>
             </a:r>
           </a:p>
           <a:p>
-            <a:pPr algn="ctr"/>
-            <a:r>
-              <a:rPr lang="en-US" sz="3600" dirty="0">
-                <a:solidFill>
-                  <a:schemeClr val="bg1"/>
-                </a:solidFill>
-              </a:rPr>
+            <a:r>
+              <a:rPr lang="en-US" dirty="0"/>
               <a:t>Strong in the strength which God supplies</a:t>
             </a:r>
           </a:p>
           <a:p>
-            <a:pPr algn="ctr"/>
-            <a:r>
-              <a:rPr lang="en-US" sz="3600" dirty="0">
-                <a:solidFill>
-                  <a:schemeClr val="bg1"/>
-                </a:solidFill>
-              </a:rPr>
+            <a:r>
+              <a:rPr lang="en-US" dirty="0"/>
               <a:t>Through His eternal Son;</a:t>
             </a:r>
           </a:p>
           <a:p>
-            <a:pPr algn="ctr"/>
-            <a:endParaRPr lang="en-US" sz="3600" dirty="0">
-              <a:solidFill>
-                <a:schemeClr val="bg1"/>
-              </a:solidFill>
-            </a:endParaRPr>
-          </a:p>
-          <a:p>
-            <a:pPr algn="ctr"/>
-            <a:r>
-              <a:rPr lang="en-US" sz="3600" dirty="0">
-                <a:solidFill>
-                  <a:schemeClr val="bg1"/>
-                </a:solidFill>
-              </a:rPr>
+            <a:endParaRPr lang="en-US" dirty="0"/>
+          </a:p>
+          <a:p>
+            <a:r>
+              <a:rPr lang="en-US" dirty="0"/>
               <a:t>Strong in the Lord of Hosts,</a:t>
             </a:r>
           </a:p>
           <a:p>
-            <a:pPr algn="ctr"/>
-            <a:r>
-              <a:rPr lang="en-US" sz="3600" dirty="0">
-                <a:solidFill>
-                  <a:schemeClr val="bg1"/>
-                </a:solidFill>
-              </a:rPr>
+            <a:r>
+              <a:rPr lang="en-US" dirty="0"/>
               <a:t>And in His mighty power,</a:t>
             </a:r>
           </a:p>
           <a:p>
-            <a:pPr algn="ctr"/>
-            <a:r>
-              <a:rPr lang="en-US" sz="3600" dirty="0">
-                <a:solidFill>
-                  <a:schemeClr val="bg1"/>
-                </a:solidFill>
-              </a:rPr>
+            <a:r>
+              <a:rPr lang="en-US" dirty="0"/>
               <a:t>Who in the strength of Jesus trusts</a:t>
             </a:r>
           </a:p>
           <a:p>
-            <a:pPr algn="ctr"/>
-            <a:r>
-              <a:rPr lang="en-US" sz="3600" dirty="0">
-                <a:solidFill>
-                  <a:schemeClr val="bg1"/>
-                </a:solidFill>
-              </a:rPr>
+            <a:r>
+              <a:rPr lang="en-US" dirty="0"/>
               <a:t>Is more than conqueror.</a:t>
             </a:r>
           </a:p>
@@ -3270,15 +3248,23 @@
           <a:bodyPr wrap="square" rtlCol="0" anchor="ctr">
             <a:spAutoFit/>
           </a:bodyPr>
-          <a:lstStyle/>
-          <a:p>
-            <a:pPr algn="ctr"/>
-            <a:r>
-              <a:rPr lang="en-US" sz="4800" dirty="0">
+          <a:lstStyle>
+            <a:defPPr>
+              <a:defRPr lang="en-US"/>
+            </a:defPPr>
+            <a:lvl1pPr algn="ctr">
+              <a:defRPr sz="3200" u="sng">
                 <a:solidFill>
                   <a:schemeClr val="bg1"/>
                 </a:solidFill>
-              </a:rPr>
+                <a:latin typeface="Assistant SemiBold" panose="00000700000000000000" pitchFamily="2" charset="-79"/>
+                <a:cs typeface="Assistant SemiBold" panose="00000700000000000000" pitchFamily="2" charset="-79"/>
+              </a:defRPr>
+            </a:lvl1pPr>
+          </a:lstStyle>
+          <a:p>
+            <a:r>
+              <a:rPr lang="en-US" dirty="0"/>
               <a:t>“Soldiers of Christ, Arise!”</a:t>
             </a:r>
           </a:p>
@@ -3292,8 +3278,8 @@
         </p:nvSpPr>
         <p:spPr>
           <a:xfrm>
-            <a:off x="0" y="297622"/>
-            <a:ext cx="12192000" cy="5078313"/>
+            <a:off x="0" y="806610"/>
+            <a:ext cx="12192000" cy="3075453"/>
           </a:xfrm>
           <a:prstGeom prst="rect">
             <a:avLst/>
@@ -3304,116 +3290,76 @@
           <a:bodyPr wrap="square" rtlCol="0">
             <a:spAutoFit/>
           </a:bodyPr>
-          <a:lstStyle/>
-          <a:p>
-            <a:pPr algn="ctr"/>
-            <a:r>
-              <a:rPr lang="en-US" sz="3600" dirty="0">
+          <a:lstStyle>
+            <a:defPPr>
+              <a:defRPr lang="en-US"/>
+            </a:defPPr>
+            <a:lvl1pPr algn="ctr">
+              <a:defRPr sz="2800" spc="50">
                 <a:solidFill>
                   <a:schemeClr val="bg1"/>
                 </a:solidFill>
-              </a:rPr>
+                <a:latin typeface="Assistant" panose="00000500000000000000" pitchFamily="2" charset="-79"/>
+                <a:cs typeface="Assistant" panose="00000500000000000000" pitchFamily="2" charset="-79"/>
+              </a:defRPr>
+            </a:lvl1pPr>
+          </a:lstStyle>
+          <a:p>
+            <a:r>
+              <a:rPr lang="en-US" dirty="0"/>
               <a:t>Stand then in His great might,</a:t>
             </a:r>
           </a:p>
           <a:p>
-            <a:pPr algn="ctr"/>
-            <a:r>
-              <a:rPr lang="en-US" sz="3600" dirty="0">
-                <a:solidFill>
-                  <a:schemeClr val="bg1"/>
-                </a:solidFill>
-              </a:rPr>
+            <a:r>
+              <a:rPr lang="en-US" dirty="0"/>
               <a:t>With all His strength endued,</a:t>
             </a:r>
           </a:p>
           <a:p>
-            <a:pPr algn="ctr"/>
-            <a:r>
-              <a:rPr lang="en-US" sz="3600" dirty="0">
-                <a:solidFill>
-                  <a:schemeClr val="bg1"/>
-                </a:solidFill>
-              </a:rPr>
+            <a:r>
+              <a:rPr lang="en-US" dirty="0"/>
               <a:t>And take, to arm you for the fight,</a:t>
             </a:r>
           </a:p>
           <a:p>
-            <a:pPr algn="ctr"/>
-            <a:r>
-              <a:rPr lang="en-US" sz="3600" dirty="0">
-                <a:solidFill>
-                  <a:schemeClr val="bg1"/>
-                </a:solidFill>
-              </a:rPr>
+            <a:r>
+              <a:rPr lang="en-US" dirty="0"/>
               <a:t>The panoply of God,</a:t>
             </a:r>
           </a:p>
           <a:p>
-            <a:pPr algn="ctr"/>
-            <a:endParaRPr lang="en-US" sz="3600" dirty="0">
-              <a:solidFill>
-                <a:schemeClr val="bg1"/>
-              </a:solidFill>
-            </a:endParaRPr>
-          </a:p>
-          <a:p>
-            <a:pPr algn="ctr"/>
-            <a:r>
-              <a:rPr lang="en-US" sz="3600" dirty="0">
-                <a:solidFill>
-                  <a:schemeClr val="bg1"/>
-                </a:solidFill>
-              </a:rPr>
+            <a:endParaRPr lang="en-US" dirty="0"/>
+          </a:p>
+          <a:p>
+            <a:r>
+              <a:rPr lang="en-US" dirty="0"/>
               <a:t>That, having all things done</a:t>
             </a:r>
           </a:p>
           <a:p>
-            <a:pPr algn="ctr"/>
-            <a:r>
-              <a:rPr lang="en-US" sz="3600" dirty="0">
-                <a:solidFill>
-                  <a:schemeClr val="bg1"/>
-                </a:solidFill>
-              </a:rPr>
+            <a:r>
+              <a:rPr lang="en-US" dirty="0"/>
               <a:t>And all your conflicts past,</a:t>
             </a:r>
           </a:p>
           <a:p>
-            <a:pPr algn="ctr"/>
-            <a:r>
-              <a:rPr lang="en-US" sz="3600" dirty="0">
-                <a:solidFill>
-                  <a:schemeClr val="bg1"/>
-                </a:solidFill>
-              </a:rPr>
+            <a:r>
+              <a:rPr lang="en-US" dirty="0"/>
               <a:t>You may </a:t>
             </a:r>
             <a:r>
-              <a:rPr lang="en-US" sz="3600" dirty="0" err="1">
-                <a:solidFill>
-                  <a:schemeClr val="bg1"/>
-                </a:solidFill>
-              </a:rPr>
+              <a:rPr lang="en-US" dirty="0" err="1"/>
               <a:t>o’ercome</a:t>
             </a:r>
             <a:r>
-              <a:rPr lang="en-US" sz="3600" dirty="0">
-                <a:solidFill>
-                  <a:schemeClr val="bg1"/>
-                </a:solidFill>
-              </a:rPr>
+              <a:rPr lang="en-US" dirty="0"/>
               <a:t> through Christ alone</a:t>
             </a:r>
           </a:p>
           <a:p>
-            <a:pPr algn="ctr"/>
-            <a:r>
-              <a:rPr lang="en-US" sz="3600" dirty="0">
-                <a:solidFill>
-                  <a:schemeClr val="bg1"/>
-                </a:solidFill>
-              </a:rPr>
+            <a:r>
+              <a:rPr lang="en-US" dirty="0"/>
               <a:t>And stand complete at last.</a:t>
             </a:r>
           </a:p>
@@ -3526,15 +3472,23 @@
           <a:bodyPr wrap="square" rtlCol="0" anchor="ctr">
             <a:spAutoFit/>
           </a:bodyPr>
-          <a:lstStyle/>
-          <a:p>
-            <a:pPr algn="ctr"/>
-            <a:r>
-              <a:rPr lang="en-US" sz="4800" dirty="0">
+          <a:lstStyle>
+            <a:defPPr>
+              <a:defRPr lang="en-US"/>
+            </a:defPPr>
+            <a:lvl1pPr algn="ctr">
+              <a:defRPr sz="3200" u="sng">
                 <a:solidFill>
                   <a:schemeClr val="bg1"/>
                 </a:solidFill>
-              </a:rPr>
+                <a:latin typeface="Assistant SemiBold" panose="00000700000000000000" pitchFamily="2" charset="-79"/>
+                <a:cs typeface="Assistant SemiBold" panose="00000700000000000000" pitchFamily="2" charset="-79"/>
+              </a:defRPr>
+            </a:lvl1pPr>
+          </a:lstStyle>
+          <a:p>
+            <a:r>
+              <a:rPr lang="en-US" dirty="0"/>
               <a:t>“Soldiers of Christ, Arise!”</a:t>
             </a:r>
           </a:p>
@@ -3548,8 +3502,8 @@
         </p:nvSpPr>
         <p:spPr>
           <a:xfrm>
-            <a:off x="0" y="297622"/>
-            <a:ext cx="12192000" cy="5078313"/>
+            <a:off x="0" y="806610"/>
+            <a:ext cx="12192000" cy="3075453"/>
           </a:xfrm>
           <a:prstGeom prst="rect">
             <a:avLst/>
@@ -3560,117 +3514,73 @@
           <a:bodyPr wrap="square" rtlCol="0">
             <a:spAutoFit/>
           </a:bodyPr>
-          <a:lstStyle/>
-          <a:p>
-            <a:pPr algn="ctr"/>
-            <a:r>
-              <a:rPr lang="en-US" sz="3600" dirty="0">
+          <a:lstStyle>
+            <a:defPPr>
+              <a:defRPr lang="en-US"/>
+            </a:defPPr>
+            <a:lvl1pPr algn="ctr">
+              <a:defRPr sz="2800" spc="50">
                 <a:solidFill>
                   <a:schemeClr val="bg1"/>
                 </a:solidFill>
-              </a:rPr>
+                <a:latin typeface="Assistant" panose="00000500000000000000" pitchFamily="2" charset="-79"/>
+                <a:cs typeface="Assistant" panose="00000500000000000000" pitchFamily="2" charset="-79"/>
+              </a:defRPr>
+            </a:lvl1pPr>
+          </a:lstStyle>
+          <a:p>
+            <a:r>
+              <a:rPr lang="en-US" dirty="0"/>
               <a:t>From strength to strength go on;</a:t>
             </a:r>
           </a:p>
           <a:p>
-            <a:pPr algn="ctr"/>
-            <a:r>
-              <a:rPr lang="en-US" sz="3600" dirty="0">
-                <a:solidFill>
-                  <a:schemeClr val="bg1"/>
-                </a:solidFill>
-              </a:rPr>
+            <a:r>
+              <a:rPr lang="en-US" dirty="0"/>
               <a:t>Wrestle and fight and pray;</a:t>
             </a:r>
           </a:p>
           <a:p>
-            <a:pPr algn="ctr"/>
-            <a:r>
-              <a:rPr lang="en-US" sz="3600" dirty="0">
-                <a:solidFill>
-                  <a:schemeClr val="bg1"/>
-                </a:solidFill>
-              </a:rPr>
+            <a:r>
+              <a:rPr lang="en-US" dirty="0"/>
               <a:t>Treat all the powers of darkness down</a:t>
             </a:r>
           </a:p>
           <a:p>
-            <a:pPr algn="ctr"/>
-            <a:r>
-              <a:rPr lang="en-US" sz="3600" dirty="0" err="1">
-                <a:solidFill>
-                  <a:schemeClr val="bg1"/>
-                </a:solidFill>
-              </a:rPr>
+            <a:r>
+              <a:rPr lang="en-US" dirty="0" err="1"/>
               <a:t>‘Til</a:t>
             </a:r>
             <a:r>
-              <a:rPr lang="en-US" sz="3600" dirty="0">
-                <a:solidFill>
-                  <a:schemeClr val="bg1"/>
-                </a:solidFill>
-              </a:rPr>
+              <a:rPr lang="en-US" dirty="0"/>
               <a:t> yours, a perfect sway.</a:t>
             </a:r>
           </a:p>
           <a:p>
-            <a:pPr algn="ctr"/>
-            <a:endParaRPr lang="en-US" sz="3600" dirty="0">
-              <a:solidFill>
-                <a:schemeClr val="bg1"/>
-              </a:solidFill>
-            </a:endParaRPr>
-          </a:p>
-          <a:p>
-            <a:pPr algn="ctr"/>
-            <a:r>
-              <a:rPr lang="en-US" sz="3600" dirty="0">
-                <a:solidFill>
-                  <a:schemeClr val="bg1"/>
-                </a:solidFill>
-              </a:rPr>
+            <a:endParaRPr lang="en-US" dirty="0"/>
+          </a:p>
+          <a:p>
+            <a:r>
+              <a:rPr lang="en-US" dirty="0"/>
               <a:t>Still let the Spirit cry</a:t>
             </a:r>
           </a:p>
           <a:p>
-            <a:pPr algn="ctr"/>
-            <a:r>
-              <a:rPr lang="en-US" sz="3600" dirty="0">
-                <a:solidFill>
-                  <a:schemeClr val="bg1"/>
-                </a:solidFill>
-              </a:rPr>
+            <a:r>
+              <a:rPr lang="en-US" dirty="0"/>
               <a:t>In all His soldiers, “Come!</a:t>
             </a:r>
           </a:p>
           <a:p>
-            <a:pPr algn="ctr"/>
-            <a:r>
-              <a:rPr lang="en-US" sz="3600" dirty="0">
-                <a:solidFill>
-                  <a:schemeClr val="bg1"/>
-                </a:solidFill>
-              </a:rPr>
+            <a:r>
+              <a:rPr lang="en-US" dirty="0"/>
               <a:t>Soon will the Lord descend from high</a:t>
             </a:r>
           </a:p>
           <a:p>
-            <a:pPr algn="ctr"/>
-            <a:r>
-              <a:rPr lang="en-US" sz="3600">
-                <a:solidFill>
-                  <a:schemeClr val="bg1"/>
-                </a:solidFill>
-              </a:rPr>
-              <a:t>And every </a:t>
-            </a:r>
-            <a:r>
-              <a:rPr lang="en-US" sz="3600" dirty="0">
-                <a:solidFill>
-                  <a:schemeClr val="bg1"/>
-                </a:solidFill>
-              </a:rPr>
-              <a:t>victor crown.”</a:t>
+            <a:r>
+              <a:rPr lang="en-US" dirty="0"/>
+              <a:t>And every victor crown.”</a:t>
             </a:r>
           </a:p>
         </p:txBody>
